--- a/docs/components/best-practices/architecture/deciding-about-your-stack-c7-assets/greenfield-architecture.pptx
+++ b/docs/components/best-practices/architecture/deciding-about-your-stack-c7-assets/greenfield-architecture.pptx
@@ -5,19 +5,20 @@
     <p:sldMasterId id="2147483648" r:id="rId1"/>
   </p:sldMasterIdLst>
   <p:notesMasterIdLst>
-    <p:notesMasterId r:id="rId4"/>
+    <p:notesMasterId r:id="rId5"/>
   </p:notesMasterIdLst>
   <p:handoutMasterIdLst>
-    <p:handoutMasterId r:id="rId5"/>
+    <p:handoutMasterId r:id="rId6"/>
   </p:handoutMasterIdLst>
   <p:sldIdLst>
     <p:sldId id="334" r:id="rId2"/>
     <p:sldId id="335" r:id="rId3"/>
+    <p:sldId id="336" r:id="rId4"/>
   </p:sldIdLst>
   <p:sldSz cx="9144000" cy="6858000" type="screen4x3"/>
   <p:notesSz cx="6669088" cy="9820275"/>
   <p:custDataLst>
-    <p:tags r:id="rId6"/>
+    <p:tags r:id="rId7"/>
   </p:custDataLst>
   <p:defaultTextStyle>
     <a:defPPr>
@@ -280,7 +281,7 @@
             <a:fld id="{80F06307-6088-4DFD-BB97-31C1E3C8F94D}" type="datetimeFigureOut">
               <a:rPr lang="en-US" smtClean="0"/>
               <a:pPr/>
-              <a:t>1/19/2022</a:t>
+              <a:t>2/3/2022</a:t>
             </a:fld>
             <a:endParaRPr lang="de-DE"/>
           </a:p>
@@ -450,7 +451,7 @@
             <a:fld id="{56E7BBA9-3E9F-478E-BBF6-AD90C451F165}" type="datetimeFigureOut">
               <a:rPr lang="en-GB" smtClean="0"/>
               <a:pPr/>
-              <a:t>19/01/2022</a:t>
+              <a:t>03/02/2022</a:t>
             </a:fld>
             <a:endParaRPr lang="en-GB"/>
           </a:p>
@@ -823,7 +824,7 @@
           <a:graphicData uri="http://schemas.openxmlformats.org/presentationml/2006/ole">
             <mc:AlternateContent xmlns:mc="http://schemas.openxmlformats.org/markup-compatibility/2006">
               <mc:Choice xmlns:v="urn:schemas-microsoft-com:vml" Requires="v">
-                <p:oleObj spid="_x0000_s1093" name="think-cell Slide" r:id="rId8" imgW="0" imgH="0" progId="TCLayout.ActiveDocument.1">
+                <p:oleObj spid="_x0000_s2050" name="think-cell Slide" r:id="rId8" imgW="0" imgH="0" progId="TCLayout.ActiveDocument.1">
                   <p:embed/>
                 </p:oleObj>
               </mc:Choice>
@@ -832,7 +833,7 @@
                   <p:embed/>
                   <p:pic>
                     <p:nvPicPr>
-                      <p:cNvPr id="0" name="Rectangle 2" hidden="1"/>
+                      <p:cNvPr id="5" name="Object 4" hidden="1"/>
                       <p:cNvPicPr preferRelativeResize="0">
                         <a:picLocks noChangeArrowheads="1"/>
                       </p:cNvPicPr>
@@ -1081,7 +1082,7 @@
           <a:graphicData uri="http://schemas.openxmlformats.org/presentationml/2006/ole">
             <mc:AlternateContent xmlns:mc="http://schemas.openxmlformats.org/markup-compatibility/2006">
               <mc:Choice xmlns:v="urn:schemas-microsoft-com:vml" Requires="v">
-                <p:oleObj spid="_x0000_s8260" name="think-cell Slide" r:id="rId5" imgW="0" imgH="0" progId="TCLayout.ActiveDocument.1">
+                <p:oleObj spid="_x0000_s3074" name="think-cell Slide" r:id="rId5" imgW="0" imgH="0" progId="TCLayout.ActiveDocument.1">
                   <p:embed/>
                 </p:oleObj>
               </mc:Choice>
@@ -1090,7 +1091,7 @@
                   <p:embed/>
                   <p:pic>
                     <p:nvPicPr>
-                      <p:cNvPr id="0" name="Rectangle 1" hidden="1"/>
+                      <p:cNvPr id="9" name="Object 8" hidden="1"/>
                       <p:cNvPicPr preferRelativeResize="0">
                         <a:picLocks noChangeArrowheads="1"/>
                       </p:cNvPicPr>
@@ -1391,7 +1392,7 @@
           <a:graphicData uri="http://schemas.openxmlformats.org/presentationml/2006/ole">
             <mc:AlternateContent xmlns:mc="http://schemas.openxmlformats.org/markup-compatibility/2006">
               <mc:Choice xmlns:v="urn:schemas-microsoft-com:vml" Requires="v">
-                <p:oleObj spid="_x0000_s136261" name="think-cell Slide" r:id="rId6" imgW="0" imgH="0" progId="TCLayout.ActiveDocument.1">
+                <p:oleObj spid="_x0000_s4098" name="think-cell Slide" r:id="rId6" imgW="0" imgH="0" progId="TCLayout.ActiveDocument.1">
                   <p:embed/>
                 </p:oleObj>
               </mc:Choice>
@@ -1400,7 +1401,7 @@
                   <p:embed/>
                   <p:pic>
                     <p:nvPicPr>
-                      <p:cNvPr id="0" name="Rectangle 2" hidden="1"/>
+                      <p:cNvPr id="9" name="Object 8" hidden="1"/>
                       <p:cNvPicPr preferRelativeResize="0">
                         <a:picLocks noChangeArrowheads="1"/>
                       </p:cNvPicPr>
@@ -1738,7 +1739,7 @@
           <a:graphicData uri="http://schemas.openxmlformats.org/presentationml/2006/ole">
             <mc:AlternateContent xmlns:mc="http://schemas.openxmlformats.org/markup-compatibility/2006">
               <mc:Choice xmlns:v="urn:schemas-microsoft-com:vml" Requires="v">
-                <p:oleObj spid="_x0000_s108613" name="think-cell Slide" r:id="rId4" imgW="0" imgH="0" progId="TCLayout.ActiveDocument.1">
+                <p:oleObj spid="_x0000_s5122" name="think-cell Slide" r:id="rId4" imgW="0" imgH="0" progId="TCLayout.ActiveDocument.1">
                   <p:embed/>
                 </p:oleObj>
               </mc:Choice>
@@ -1747,7 +1748,7 @@
                   <p:embed/>
                   <p:pic>
                     <p:nvPicPr>
-                      <p:cNvPr id="0" name="Rectangle 1" hidden="1"/>
+                      <p:cNvPr id="9" name="Object 8" hidden="1"/>
                       <p:cNvPicPr preferRelativeResize="0">
                         <a:picLocks noChangeArrowheads="1"/>
                       </p:cNvPicPr>
@@ -1941,7 +1942,7 @@
           <a:graphicData uri="http://schemas.openxmlformats.org/presentationml/2006/ole">
             <mc:AlternateContent xmlns:mc="http://schemas.openxmlformats.org/markup-compatibility/2006">
               <mc:Choice xmlns:v="urn:schemas-microsoft-com:vml" Requires="v">
-                <p:oleObj spid="_x0000_s114757" name="think-cell Slide" r:id="rId4" imgW="0" imgH="0" progId="TCLayout.ActiveDocument.1">
+                <p:oleObj spid="_x0000_s6146" name="think-cell Slide" r:id="rId4" imgW="0" imgH="0" progId="TCLayout.ActiveDocument.1">
                   <p:embed/>
                 </p:oleObj>
               </mc:Choice>
@@ -1950,7 +1951,7 @@
                   <p:embed/>
                   <p:pic>
                     <p:nvPicPr>
-                      <p:cNvPr id="0" name="Rectangle 1" hidden="1"/>
+                      <p:cNvPr id="9" name="Object 8" hidden="1"/>
                       <p:cNvPicPr preferRelativeResize="0">
                         <a:picLocks noChangeArrowheads="1"/>
                       </p:cNvPicPr>
@@ -2144,7 +2145,7 @@
           <a:graphicData uri="http://schemas.openxmlformats.org/presentationml/2006/ole">
             <mc:AlternateContent xmlns:mc="http://schemas.openxmlformats.org/markup-compatibility/2006">
               <mc:Choice xmlns:v="urn:schemas-microsoft-com:vml" Requires="v">
-                <p:oleObj spid="_x0000_s107589" name="think-cell Slide" r:id="rId4" imgW="0" imgH="0" progId="TCLayout.ActiveDocument.1">
+                <p:oleObj spid="_x0000_s7170" name="think-cell Slide" r:id="rId4" imgW="0" imgH="0" progId="TCLayout.ActiveDocument.1">
                   <p:embed/>
                 </p:oleObj>
               </mc:Choice>
@@ -2153,7 +2154,7 @@
                   <p:embed/>
                   <p:pic>
                     <p:nvPicPr>
-                      <p:cNvPr id="0" name="Rectangle 1" hidden="1"/>
+                      <p:cNvPr id="9" name="Object 8" hidden="1"/>
                       <p:cNvPicPr preferRelativeResize="0">
                         <a:picLocks noChangeArrowheads="1"/>
                       </p:cNvPicPr>
@@ -2265,7 +2266,7 @@
           <a:graphicData uri="http://schemas.openxmlformats.org/presentationml/2006/ole">
             <mc:AlternateContent xmlns:mc="http://schemas.openxmlformats.org/markup-compatibility/2006">
               <mc:Choice xmlns:v="urn:schemas-microsoft-com:vml" Requires="v">
-                <p:oleObj spid="_x0000_s115781" name="think-cell Slide" r:id="rId4" imgW="0" imgH="0" progId="TCLayout.ActiveDocument.1">
+                <p:oleObj spid="_x0000_s8194" name="think-cell Slide" r:id="rId4" imgW="0" imgH="0" progId="TCLayout.ActiveDocument.1">
                   <p:embed/>
                 </p:oleObj>
               </mc:Choice>
@@ -2274,7 +2275,7 @@
                   <p:embed/>
                   <p:pic>
                     <p:nvPicPr>
-                      <p:cNvPr id="0" name="Rectangle 1" hidden="1"/>
+                      <p:cNvPr id="9" name="Object 8" hidden="1"/>
                       <p:cNvPicPr preferRelativeResize="0">
                         <a:picLocks noChangeArrowheads="1"/>
                       </p:cNvPicPr>
@@ -2476,7 +2477,7 @@
           <a:graphicData uri="http://schemas.openxmlformats.org/presentationml/2006/ole">
             <mc:AlternateContent xmlns:mc="http://schemas.openxmlformats.org/markup-compatibility/2006">
               <mc:Choice xmlns:v="urn:schemas-microsoft-com:vml" Requires="v">
-                <p:oleObj spid="_x0000_s137285" name="think-cell Slide" r:id="rId4" imgW="0" imgH="0" progId="TCLayout.ActiveDocument.1">
+                <p:oleObj spid="_x0000_s9218" name="think-cell Slide" r:id="rId4" imgW="0" imgH="0" progId="TCLayout.ActiveDocument.1">
                   <p:embed/>
                 </p:oleObj>
               </mc:Choice>
@@ -2485,7 +2486,7 @@
                   <p:embed/>
                   <p:pic>
                     <p:nvPicPr>
-                      <p:cNvPr id="0" name="Rectangle 1" hidden="1"/>
+                      <p:cNvPr id="9" name="Object 8" hidden="1"/>
                       <p:cNvPicPr preferRelativeResize="0">
                         <a:picLocks noChangeArrowheads="1"/>
                       </p:cNvPicPr>
@@ -2636,7 +2637,7 @@
           <a:graphicData uri="http://schemas.openxmlformats.org/presentationml/2006/ole">
             <mc:AlternateContent xmlns:mc="http://schemas.openxmlformats.org/markup-compatibility/2006">
               <mc:Choice xmlns:v="urn:schemas-microsoft-com:vml" Requires="v">
-                <p:oleObj spid="_x0000_s116805" name="think-cell Slide" r:id="rId18" imgW="0" imgH="0" progId="TCLayout.ActiveDocument.1">
+                <p:oleObj spid="_x0000_s10242" name="think-cell Slide" r:id="rId18" imgW="0" imgH="0" progId="TCLayout.ActiveDocument.1">
                   <p:embed/>
                 </p:oleObj>
               </mc:Choice>
@@ -2645,7 +2646,7 @@
                   <p:embed/>
                   <p:pic>
                     <p:nvPicPr>
-                      <p:cNvPr id="0" name="Rectangle 2" hidden="1"/>
+                      <p:cNvPr id="12" name="Object 11" hidden="1"/>
                       <p:cNvPicPr preferRelativeResize="0">
                         <a:picLocks noChangeArrowheads="1"/>
                       </p:cNvPicPr>
@@ -3783,7 +3784,7 @@
           <a:graphicData uri="http://schemas.openxmlformats.org/presentationml/2006/ole">
             <mc:AlternateContent xmlns:mc="http://schemas.openxmlformats.org/markup-compatibility/2006">
               <mc:Choice xmlns:v="urn:schemas-microsoft-com:vml" Requires="v">
-                <p:oleObj spid="_x0000_s2116" name="think-cell Slide" r:id="rId16" imgW="0" imgH="0" progId="TCLayout.ActiveDocument.1">
+                <p:oleObj spid="_x0000_s1026" name="think-cell Slide" r:id="rId16" imgW="0" imgH="0" progId="TCLayout.ActiveDocument.1">
                   <p:embed/>
                 </p:oleObj>
               </mc:Choice>
@@ -3792,7 +3793,7 @@
                   <p:embed/>
                   <p:pic>
                     <p:nvPicPr>
-                      <p:cNvPr id="0" name="Rectangle 1" hidden="1"/>
+                      <p:cNvPr id="11" name="Object 10" hidden="1"/>
                       <p:cNvPicPr preferRelativeResize="0">
                         <a:picLocks noChangeArrowheads="1"/>
                       </p:cNvPicPr>
@@ -5682,7 +5683,7 @@
         </p:nvSpPr>
         <p:spPr bwMode="auto">
           <a:xfrm>
-            <a:off x="-422746" y="2720516"/>
+            <a:off x="1064442" y="3704205"/>
             <a:ext cx="1360361" cy="893424"/>
           </a:xfrm>
           <a:prstGeom prst="rect">
@@ -5931,6 +5932,107 @@
           <a:xfrm>
             <a:off x="5652119" y="5013176"/>
             <a:ext cx="0" cy="1046396"/>
+          </a:xfrm>
+          <a:prstGeom prst="straightConnector1">
+            <a:avLst/>
+          </a:prstGeom>
+          <a:ln>
+            <a:solidFill>
+              <a:schemeClr val="tx1"/>
+            </a:solidFill>
+            <a:tailEnd type="triangle"/>
+          </a:ln>
+        </p:spPr>
+        <p:style>
+          <a:lnRef idx="1">
+            <a:schemeClr val="accent1"/>
+          </a:lnRef>
+          <a:fillRef idx="0">
+            <a:schemeClr val="accent1"/>
+          </a:fillRef>
+          <a:effectRef idx="0">
+            <a:schemeClr val="accent1"/>
+          </a:effectRef>
+          <a:fontRef idx="minor">
+            <a:schemeClr val="tx1"/>
+          </a:fontRef>
+        </p:style>
+      </p:cxnSp>
+      <p:sp>
+        <p:nvSpPr>
+          <p:cNvPr id="30" name="Rechteck 41">
+            <a:extLst>
+              <a:ext uri="{FF2B5EF4-FFF2-40B4-BE49-F238E27FC236}">
+                <a16:creationId xmlns:a16="http://schemas.microsoft.com/office/drawing/2014/main" id="{6996AFC2-AA66-4252-89DF-5A328CE9B112}"/>
+              </a:ext>
+            </a:extLst>
+          </p:cNvPr>
+          <p:cNvSpPr/>
+          <p:nvPr/>
+        </p:nvSpPr>
+        <p:spPr bwMode="auto">
+          <a:xfrm>
+            <a:off x="3385699" y="3704205"/>
+            <a:ext cx="610238" cy="893424"/>
+          </a:xfrm>
+          <a:prstGeom prst="rect">
+            <a:avLst/>
+          </a:prstGeom>
+          <a:solidFill>
+            <a:schemeClr val="accent6"/>
+          </a:solidFill>
+          <a:ln w="9525" cap="flat" cmpd="sng" algn="ctr">
+            <a:solidFill>
+              <a:schemeClr val="tx1"/>
+            </a:solidFill>
+            <a:prstDash val="solid"/>
+            <a:round/>
+            <a:headEnd type="none" w="med" len="med"/>
+            <a:tailEnd type="none" w="med" len="med"/>
+          </a:ln>
+          <a:effectLst/>
+        </p:spPr>
+        <p:txBody>
+          <a:bodyPr vert="horz" wrap="square" lIns="72000" tIns="46800" rIns="72000" bIns="46800" numCol="1" rtlCol="0" anchor="ctr" anchorCtr="0" compatLnSpc="1">
+            <a:prstTxWarp prst="textNoShape">
+              <a:avLst/>
+            </a:prstTxWarp>
+          </a:bodyPr>
+          <a:lstStyle/>
+          <a:p>
+            <a:pPr algn="ctr"/>
+            <a:r>
+              <a:rPr lang="de-DE" sz="1200" dirty="0">
+                <a:solidFill>
+                  <a:schemeClr val="bg1"/>
+                </a:solidFill>
+                <a:latin typeface="+mn-lt"/>
+              </a:rPr>
+              <a:t>Client</a:t>
+            </a:r>
+          </a:p>
+        </p:txBody>
+      </p:sp>
+      <p:cxnSp>
+        <p:nvCxnSpPr>
+          <p:cNvPr id="5" name="Straight Arrow Connector 4">
+            <a:extLst>
+              <a:ext uri="{FF2B5EF4-FFF2-40B4-BE49-F238E27FC236}">
+                <a16:creationId xmlns:a16="http://schemas.microsoft.com/office/drawing/2014/main" id="{F5EBE1FE-9BC6-4003-A4F8-EEA43A24CD71}"/>
+              </a:ext>
+            </a:extLst>
+          </p:cNvPr>
+          <p:cNvCxnSpPr>
+            <a:cxnSpLocks/>
+            <a:stCxn id="30" idx="1"/>
+            <a:endCxn id="41" idx="3"/>
+          </p:cNvCxnSpPr>
+          <p:nvPr/>
+        </p:nvCxnSpPr>
+        <p:spPr>
+          <a:xfrm flipH="1">
+            <a:off x="2424803" y="4150917"/>
+            <a:ext cx="960896" cy="0"/>
           </a:xfrm>
           <a:prstGeom prst="straightConnector1">
             <a:avLst/>
@@ -7331,6 +7433,1718 @@
     <p:extLst>
       <p:ext uri="{BB962C8B-B14F-4D97-AF65-F5344CB8AC3E}">
         <p14:creationId xmlns:p14="http://schemas.microsoft.com/office/powerpoint/2010/main" val="2431094944"/>
+      </p:ext>
+    </p:extLst>
+  </p:cSld>
+  <p:clrMapOvr>
+    <a:masterClrMapping/>
+  </p:clrMapOvr>
+  <p:transition/>
+</p:sld>
+</file>
+
+<file path=ppt/slides/slide3.xml><?xml version="1.0" encoding="utf-8"?>
+<p:sld xmlns:a="http://schemas.openxmlformats.org/drawingml/2006/main" xmlns:r="http://schemas.openxmlformats.org/officeDocument/2006/relationships" xmlns:p="http://schemas.openxmlformats.org/presentationml/2006/main">
+  <p:cSld>
+    <p:spTree>
+      <p:nvGrpSpPr>
+        <p:cNvPr id="1" name=""/>
+        <p:cNvGrpSpPr/>
+        <p:nvPr/>
+      </p:nvGrpSpPr>
+      <p:grpSpPr>
+        <a:xfrm>
+          <a:off x="0" y="0"/>
+          <a:ext cx="0" cy="0"/>
+          <a:chOff x="0" y="0"/>
+          <a:chExt cx="0" cy="0"/>
+        </a:xfrm>
+      </p:grpSpPr>
+      <p:sp>
+        <p:nvSpPr>
+          <p:cNvPr id="12" name="Rechteck 11"/>
+          <p:cNvSpPr/>
+          <p:nvPr/>
+        </p:nvSpPr>
+        <p:spPr bwMode="auto">
+          <a:xfrm>
+            <a:off x="3491880" y="2588210"/>
+            <a:ext cx="4098120" cy="3255338"/>
+          </a:xfrm>
+          <a:prstGeom prst="rect">
+            <a:avLst/>
+          </a:prstGeom>
+          <a:solidFill>
+            <a:schemeClr val="accent5">
+              <a:lumMod val="40000"/>
+              <a:lumOff val="60000"/>
+            </a:schemeClr>
+          </a:solidFill>
+          <a:ln w="9525" cap="flat" cmpd="sng" algn="ctr">
+            <a:solidFill>
+              <a:schemeClr val="tx1"/>
+            </a:solidFill>
+            <a:prstDash val="solid"/>
+            <a:round/>
+            <a:headEnd type="none" w="med" len="med"/>
+            <a:tailEnd type="none" w="med" len="med"/>
+          </a:ln>
+          <a:effectLst/>
+        </p:spPr>
+        <p:txBody>
+          <a:bodyPr vert="horz" wrap="square" lIns="72000" tIns="46800" rIns="72000" bIns="46800" numCol="1" rtlCol="0" anchor="b" anchorCtr="0" compatLnSpc="1">
+            <a:prstTxWarp prst="textNoShape">
+              <a:avLst/>
+            </a:prstTxWarp>
+          </a:bodyPr>
+          <a:lstStyle/>
+          <a:p>
+            <a:pPr marL="0" marR="0" indent="0" algn="l" defTabSz="914400" rtl="0" eaLnBrk="1" fontAlgn="base" latinLnBrk="0" hangingPunct="1">
+              <a:lnSpc>
+                <a:spcPct val="90000"/>
+              </a:lnSpc>
+              <a:spcBef>
+                <a:spcPct val="0"/>
+              </a:spcBef>
+              <a:spcAft>
+                <a:spcPct val="0"/>
+              </a:spcAft>
+              <a:buClrTx/>
+              <a:buSzTx/>
+              <a:buFontTx/>
+              <a:buNone/>
+              <a:tabLst/>
+            </a:pPr>
+            <a:endParaRPr lang="de-DE" sz="1200" dirty="0">
+              <a:latin typeface="+mn-lt"/>
+            </a:endParaRPr>
+          </a:p>
+          <a:p>
+            <a:pPr marL="0" marR="0" indent="0" algn="l" defTabSz="914400" rtl="0" eaLnBrk="1" fontAlgn="base" latinLnBrk="0" hangingPunct="1">
+              <a:lnSpc>
+                <a:spcPct val="90000"/>
+              </a:lnSpc>
+              <a:spcBef>
+                <a:spcPct val="0"/>
+              </a:spcBef>
+              <a:spcAft>
+                <a:spcPct val="0"/>
+              </a:spcAft>
+              <a:buClrTx/>
+              <a:buSzTx/>
+              <a:buFontTx/>
+              <a:buNone/>
+              <a:tabLst/>
+            </a:pPr>
+            <a:r>
+              <a:rPr kumimoji="0" lang="de-DE" sz="1200" b="0" i="0" u="none" strike="noStrike" cap="none" normalizeH="0" baseline="0" dirty="0" err="1">
+                <a:ln>
+                  <a:noFill/>
+                </a:ln>
+                <a:solidFill>
+                  <a:schemeClr val="tx1"/>
+                </a:solidFill>
+                <a:effectLst/>
+                <a:latin typeface="+mn-lt"/>
+              </a:rPr>
+              <a:t>Node</a:t>
+            </a:r>
+            <a:r>
+              <a:rPr kumimoji="0" lang="de-DE" sz="1200" b="0" i="0" u="none" strike="noStrike" cap="none" normalizeH="0" baseline="0" dirty="0">
+                <a:ln>
+                  <a:noFill/>
+                </a:ln>
+                <a:solidFill>
+                  <a:schemeClr val="tx1"/>
+                </a:solidFill>
+                <a:effectLst/>
+                <a:latin typeface="+mn-lt"/>
+              </a:rPr>
+              <a:t> 2</a:t>
+            </a:r>
+          </a:p>
+        </p:txBody>
+      </p:sp>
+      <p:sp>
+        <p:nvSpPr>
+          <p:cNvPr id="4" name="Rechteck 3"/>
+          <p:cNvSpPr/>
+          <p:nvPr/>
+        </p:nvSpPr>
+        <p:spPr bwMode="auto">
+          <a:xfrm>
+            <a:off x="3275856" y="2301560"/>
+            <a:ext cx="4104454" cy="3253956"/>
+          </a:xfrm>
+          <a:prstGeom prst="rect">
+            <a:avLst/>
+          </a:prstGeom>
+          <a:solidFill>
+            <a:schemeClr val="accent5">
+              <a:lumMod val="40000"/>
+              <a:lumOff val="60000"/>
+            </a:schemeClr>
+          </a:solidFill>
+          <a:ln w="9525" cap="flat" cmpd="sng" algn="ctr">
+            <a:solidFill>
+              <a:schemeClr val="tx1"/>
+            </a:solidFill>
+            <a:prstDash val="solid"/>
+            <a:round/>
+            <a:headEnd type="none" w="med" len="med"/>
+            <a:tailEnd type="none" w="med" len="med"/>
+          </a:ln>
+          <a:effectLst/>
+        </p:spPr>
+        <p:txBody>
+          <a:bodyPr vert="horz" wrap="square" lIns="72000" tIns="46800" rIns="72000" bIns="46800" numCol="1" rtlCol="0" anchor="b" anchorCtr="0" compatLnSpc="1">
+            <a:prstTxWarp prst="textNoShape">
+              <a:avLst/>
+            </a:prstTxWarp>
+          </a:bodyPr>
+          <a:lstStyle/>
+          <a:p>
+            <a:pPr marL="0" marR="0" indent="0" algn="l" defTabSz="914400" rtl="0" eaLnBrk="1" fontAlgn="base" latinLnBrk="0" hangingPunct="1">
+              <a:lnSpc>
+                <a:spcPct val="90000"/>
+              </a:lnSpc>
+              <a:spcBef>
+                <a:spcPct val="0"/>
+              </a:spcBef>
+              <a:spcAft>
+                <a:spcPct val="0"/>
+              </a:spcAft>
+              <a:buClrTx/>
+              <a:buSzTx/>
+              <a:buFontTx/>
+              <a:buNone/>
+              <a:tabLst/>
+            </a:pPr>
+            <a:r>
+              <a:rPr kumimoji="0" lang="de-DE" sz="1200" b="0" i="0" u="none" strike="noStrike" cap="none" normalizeH="0" baseline="0" dirty="0" err="1">
+                <a:ln>
+                  <a:noFill/>
+                </a:ln>
+                <a:solidFill>
+                  <a:schemeClr val="tx1"/>
+                </a:solidFill>
+                <a:effectLst/>
+                <a:latin typeface="+mn-lt"/>
+              </a:rPr>
+              <a:t>Node</a:t>
+            </a:r>
+            <a:r>
+              <a:rPr kumimoji="0" lang="de-DE" sz="1200" b="0" i="0" u="none" strike="noStrike" cap="none" normalizeH="0" baseline="0" dirty="0">
+                <a:ln>
+                  <a:noFill/>
+                </a:ln>
+                <a:solidFill>
+                  <a:schemeClr val="tx1"/>
+                </a:solidFill>
+                <a:effectLst/>
+                <a:latin typeface="+mn-lt"/>
+              </a:rPr>
+              <a:t> 1</a:t>
+            </a:r>
+          </a:p>
+        </p:txBody>
+      </p:sp>
+      <p:sp>
+        <p:nvSpPr>
+          <p:cNvPr id="7" name="Zylinder 6"/>
+          <p:cNvSpPr/>
+          <p:nvPr/>
+        </p:nvSpPr>
+        <p:spPr bwMode="auto">
+          <a:xfrm>
+            <a:off x="5012925" y="6059572"/>
+            <a:ext cx="1080120" cy="432048"/>
+          </a:xfrm>
+          <a:prstGeom prst="can">
+            <a:avLst/>
+          </a:prstGeom>
+          <a:solidFill>
+            <a:schemeClr val="bg1"/>
+          </a:solidFill>
+          <a:ln w="9525" cap="flat" cmpd="sng" algn="ctr">
+            <a:solidFill>
+              <a:schemeClr val="tx1"/>
+            </a:solidFill>
+            <a:prstDash val="solid"/>
+            <a:round/>
+            <a:headEnd type="none" w="med" len="med"/>
+            <a:tailEnd type="none" w="med" len="med"/>
+          </a:ln>
+          <a:effectLst/>
+        </p:spPr>
+        <p:txBody>
+          <a:bodyPr vert="horz" wrap="square" lIns="72000" tIns="46800" rIns="72000" bIns="46800" numCol="1" rtlCol="0" anchor="ctr" anchorCtr="0" compatLnSpc="1">
+            <a:prstTxWarp prst="textNoShape">
+              <a:avLst/>
+            </a:prstTxWarp>
+          </a:bodyPr>
+          <a:lstStyle/>
+          <a:p>
+            <a:pPr marL="0" marR="0" indent="0" algn="ctr" defTabSz="914400" rtl="0" eaLnBrk="1" fontAlgn="base" latinLnBrk="0" hangingPunct="1">
+              <a:lnSpc>
+                <a:spcPct val="90000"/>
+              </a:lnSpc>
+              <a:spcBef>
+                <a:spcPct val="0"/>
+              </a:spcBef>
+              <a:spcAft>
+                <a:spcPct val="0"/>
+              </a:spcAft>
+              <a:buClrTx/>
+              <a:buSzTx/>
+              <a:buFontTx/>
+              <a:buNone/>
+              <a:tabLst/>
+            </a:pPr>
+            <a:r>
+              <a:rPr kumimoji="0" lang="de-DE" sz="1200" b="0" i="0" u="none" strike="noStrike" cap="none" normalizeH="0" baseline="0" dirty="0" err="1">
+                <a:ln>
+                  <a:noFill/>
+                </a:ln>
+                <a:solidFill>
+                  <a:schemeClr val="tx1"/>
+                </a:solidFill>
+                <a:effectLst/>
+                <a:latin typeface="+mn-lt"/>
+              </a:rPr>
+              <a:t>PostgreSQL</a:t>
+            </a:r>
+            <a:endParaRPr kumimoji="0" lang="de-DE" sz="1200" b="0" i="0" u="none" strike="noStrike" cap="none" normalizeH="0" baseline="0" dirty="0">
+              <a:ln>
+                <a:noFill/>
+              </a:ln>
+              <a:solidFill>
+                <a:schemeClr val="tx1"/>
+              </a:solidFill>
+              <a:effectLst/>
+              <a:latin typeface="+mn-lt"/>
+            </a:endParaRPr>
+          </a:p>
+        </p:txBody>
+      </p:sp>
+      <p:sp>
+        <p:nvSpPr>
+          <p:cNvPr id="9" name="Rechteck 8"/>
+          <p:cNvSpPr/>
+          <p:nvPr/>
+        </p:nvSpPr>
+        <p:spPr bwMode="auto">
+          <a:xfrm>
+            <a:off x="4530456" y="3346959"/>
+            <a:ext cx="936104" cy="455643"/>
+          </a:xfrm>
+          <a:prstGeom prst="rect">
+            <a:avLst/>
+          </a:prstGeom>
+          <a:solidFill>
+            <a:schemeClr val="bg1"/>
+          </a:solidFill>
+          <a:ln w="9525" cap="flat" cmpd="sng" algn="ctr">
+            <a:solidFill>
+              <a:schemeClr val="tx1"/>
+            </a:solidFill>
+            <a:prstDash val="solid"/>
+            <a:round/>
+            <a:headEnd type="none" w="med" len="med"/>
+            <a:tailEnd type="none" w="med" len="med"/>
+          </a:ln>
+          <a:effectLst/>
+        </p:spPr>
+        <p:txBody>
+          <a:bodyPr vert="horz" wrap="square" lIns="36000" tIns="46800" rIns="36000" bIns="46800" numCol="1" rtlCol="0" anchor="ctr" anchorCtr="0" compatLnSpc="1">
+            <a:prstTxWarp prst="textNoShape">
+              <a:avLst/>
+            </a:prstTxWarp>
+          </a:bodyPr>
+          <a:lstStyle/>
+          <a:p>
+            <a:pPr marL="0" marR="0" indent="0" algn="ctr" defTabSz="914400" rtl="0" eaLnBrk="1" fontAlgn="base" latinLnBrk="0" hangingPunct="1">
+              <a:lnSpc>
+                <a:spcPct val="90000"/>
+              </a:lnSpc>
+              <a:spcBef>
+                <a:spcPct val="0"/>
+              </a:spcBef>
+              <a:spcAft>
+                <a:spcPct val="0"/>
+              </a:spcAft>
+              <a:buClrTx/>
+              <a:buSzTx/>
+              <a:buFontTx/>
+              <a:buNone/>
+              <a:tabLst/>
+            </a:pPr>
+            <a:r>
+              <a:rPr kumimoji="0" lang="de-DE" sz="1200" b="0" i="0" u="none" strike="noStrike" cap="none" normalizeH="0" baseline="0" dirty="0">
+                <a:ln>
+                  <a:noFill/>
+                </a:ln>
+                <a:solidFill>
+                  <a:schemeClr val="tx1"/>
+                </a:solidFill>
+                <a:effectLst/>
+                <a:latin typeface="+mn-lt"/>
+              </a:rPr>
+              <a:t>BPMN / DMN</a:t>
+            </a:r>
+          </a:p>
+        </p:txBody>
+      </p:sp>
+      <p:sp>
+        <p:nvSpPr>
+          <p:cNvPr id="10" name="Rechteck 9"/>
+          <p:cNvSpPr/>
+          <p:nvPr/>
+        </p:nvSpPr>
+        <p:spPr bwMode="auto">
+          <a:xfrm>
+            <a:off x="4546036" y="3970987"/>
+            <a:ext cx="2047938" cy="462911"/>
+          </a:xfrm>
+          <a:prstGeom prst="rect">
+            <a:avLst/>
+          </a:prstGeom>
+          <a:solidFill>
+            <a:schemeClr val="bg1"/>
+          </a:solidFill>
+          <a:ln w="9525" cap="flat" cmpd="sng" algn="ctr">
+            <a:solidFill>
+              <a:schemeClr val="tx1"/>
+            </a:solidFill>
+            <a:prstDash val="solid"/>
+            <a:round/>
+            <a:headEnd type="none" w="med" len="med"/>
+            <a:tailEnd type="none" w="med" len="med"/>
+          </a:ln>
+          <a:effectLst/>
+        </p:spPr>
+        <p:txBody>
+          <a:bodyPr vert="horz" wrap="square" lIns="72000" tIns="46800" rIns="72000" bIns="46800" numCol="1" rtlCol="0" anchor="ctr" anchorCtr="0" compatLnSpc="1">
+            <a:prstTxWarp prst="textNoShape">
+              <a:avLst/>
+            </a:prstTxWarp>
+          </a:bodyPr>
+          <a:lstStyle/>
+          <a:p>
+            <a:pPr marL="0" marR="0" indent="0" algn="ctr" defTabSz="914400" rtl="0" eaLnBrk="1" fontAlgn="base" latinLnBrk="0" hangingPunct="1">
+              <a:lnSpc>
+                <a:spcPct val="90000"/>
+              </a:lnSpc>
+              <a:spcBef>
+                <a:spcPct val="0"/>
+              </a:spcBef>
+              <a:spcAft>
+                <a:spcPct val="0"/>
+              </a:spcAft>
+              <a:buClrTx/>
+              <a:buSzTx/>
+              <a:buFontTx/>
+              <a:buNone/>
+              <a:tabLst/>
+            </a:pPr>
+            <a:r>
+              <a:rPr kumimoji="0" lang="de-DE" sz="1200" b="0" i="0" u="none" strike="noStrike" cap="none" normalizeH="0" baseline="0" dirty="0">
+                <a:ln>
+                  <a:noFill/>
+                </a:ln>
+                <a:solidFill>
+                  <a:schemeClr val="tx1"/>
+                </a:solidFill>
+                <a:effectLst/>
+                <a:latin typeface="+mn-lt"/>
+              </a:rPr>
+              <a:t>External Task Workers</a:t>
+            </a:r>
+          </a:p>
+        </p:txBody>
+      </p:sp>
+      <p:sp>
+        <p:nvSpPr>
+          <p:cNvPr id="11" name="Rechteck 10"/>
+          <p:cNvSpPr/>
+          <p:nvPr/>
+        </p:nvSpPr>
+        <p:spPr bwMode="auto">
+          <a:xfrm>
+            <a:off x="5686925" y="3341624"/>
+            <a:ext cx="907049" cy="455633"/>
+          </a:xfrm>
+          <a:prstGeom prst="rect">
+            <a:avLst/>
+          </a:prstGeom>
+          <a:solidFill>
+            <a:schemeClr val="bg1"/>
+          </a:solidFill>
+          <a:ln w="9525" cap="flat" cmpd="sng" algn="ctr">
+            <a:solidFill>
+              <a:schemeClr val="tx1"/>
+            </a:solidFill>
+            <a:prstDash val="solid"/>
+            <a:round/>
+            <a:headEnd type="none" w="med" len="med"/>
+            <a:tailEnd type="none" w="med" len="med"/>
+          </a:ln>
+          <a:effectLst/>
+        </p:spPr>
+        <p:txBody>
+          <a:bodyPr vert="horz" wrap="square" lIns="72000" tIns="46800" rIns="72000" bIns="46800" numCol="1" rtlCol="0" anchor="ctr" anchorCtr="0" compatLnSpc="1">
+            <a:prstTxWarp prst="textNoShape">
+              <a:avLst/>
+            </a:prstTxWarp>
+          </a:bodyPr>
+          <a:lstStyle/>
+          <a:p>
+            <a:pPr algn="ctr"/>
+            <a:r>
+              <a:rPr lang="de-DE" sz="1200" dirty="0">
+                <a:latin typeface="+mn-lt"/>
+              </a:rPr>
+              <a:t>Forms / UI</a:t>
+            </a:r>
+          </a:p>
+        </p:txBody>
+      </p:sp>
+      <p:sp>
+        <p:nvSpPr>
+          <p:cNvPr id="23" name="Rechteck 22"/>
+          <p:cNvSpPr/>
+          <p:nvPr/>
+        </p:nvSpPr>
+        <p:spPr bwMode="auto">
+          <a:xfrm>
+            <a:off x="4546036" y="4527169"/>
+            <a:ext cx="2047938" cy="462909"/>
+          </a:xfrm>
+          <a:prstGeom prst="rect">
+            <a:avLst/>
+          </a:prstGeom>
+          <a:solidFill>
+            <a:schemeClr val="bg1"/>
+          </a:solidFill>
+          <a:ln w="9525" cap="flat" cmpd="sng" algn="ctr">
+            <a:solidFill>
+              <a:schemeClr val="tx1"/>
+            </a:solidFill>
+            <a:prstDash val="dash"/>
+            <a:round/>
+            <a:headEnd type="none" w="med" len="med"/>
+            <a:tailEnd type="none" w="med" len="med"/>
+          </a:ln>
+          <a:effectLst/>
+        </p:spPr>
+        <p:txBody>
+          <a:bodyPr vert="horz" wrap="square" lIns="0" tIns="46800" rIns="0" bIns="46800" numCol="1" rtlCol="0" anchor="ctr" anchorCtr="0" compatLnSpc="1">
+            <a:prstTxWarp prst="textNoShape">
+              <a:avLst/>
+            </a:prstTxWarp>
+          </a:bodyPr>
+          <a:lstStyle/>
+          <a:p>
+            <a:pPr algn="ctr"/>
+            <a:r>
+              <a:rPr lang="de-DE" sz="1200" dirty="0">
+                <a:latin typeface="+mn-lt"/>
+              </a:rPr>
+              <a:t>Business </a:t>
+            </a:r>
+            <a:r>
+              <a:rPr lang="de-DE" sz="1200" dirty="0" err="1">
+                <a:latin typeface="+mn-lt"/>
+              </a:rPr>
+              <a:t>logic</a:t>
+            </a:r>
+            <a:r>
+              <a:rPr lang="de-DE" sz="1200" dirty="0">
+                <a:latin typeface="+mn-lt"/>
+              </a:rPr>
+              <a:t>, Services, </a:t>
+            </a:r>
+            <a:r>
+              <a:rPr lang="de-DE" sz="1200" dirty="0" err="1">
+                <a:latin typeface="+mn-lt"/>
+              </a:rPr>
+              <a:t>Entities</a:t>
+            </a:r>
+            <a:r>
+              <a:rPr lang="de-DE" sz="1200" dirty="0">
+                <a:latin typeface="+mn-lt"/>
+              </a:rPr>
+              <a:t>, …</a:t>
+            </a:r>
+          </a:p>
+        </p:txBody>
+      </p:sp>
+      <p:sp>
+        <p:nvSpPr>
+          <p:cNvPr id="34" name="Rechteck 33"/>
+          <p:cNvSpPr/>
+          <p:nvPr/>
+        </p:nvSpPr>
+        <p:spPr bwMode="auto">
+          <a:xfrm>
+            <a:off x="1331640" y="1022981"/>
+            <a:ext cx="2846838" cy="312683"/>
+          </a:xfrm>
+          <a:prstGeom prst="rect">
+            <a:avLst/>
+          </a:prstGeom>
+          <a:solidFill>
+            <a:schemeClr val="bg1"/>
+          </a:solidFill>
+          <a:ln w="9525" cap="flat" cmpd="sng" algn="ctr">
+            <a:solidFill>
+              <a:schemeClr val="tx1"/>
+            </a:solidFill>
+            <a:prstDash val="solid"/>
+            <a:round/>
+            <a:headEnd type="none" w="med" len="med"/>
+            <a:tailEnd type="none" w="med" len="med"/>
+          </a:ln>
+          <a:effectLst/>
+        </p:spPr>
+        <p:txBody>
+          <a:bodyPr vert="horz" wrap="square" lIns="72000" tIns="46800" rIns="72000" bIns="46800" numCol="1" rtlCol="0" anchor="ctr" anchorCtr="0" compatLnSpc="1">
+            <a:prstTxWarp prst="textNoShape">
+              <a:avLst/>
+            </a:prstTxWarp>
+          </a:bodyPr>
+          <a:lstStyle/>
+          <a:p>
+            <a:pPr algn="ctr"/>
+            <a:r>
+              <a:rPr lang="de-DE" sz="1200" dirty="0">
+                <a:latin typeface="+mn-lt"/>
+              </a:rPr>
+              <a:t>Load </a:t>
+            </a:r>
+            <a:r>
+              <a:rPr lang="de-DE" sz="1200" dirty="0" err="1">
+                <a:latin typeface="+mn-lt"/>
+              </a:rPr>
+              <a:t>Balancer</a:t>
+            </a:r>
+            <a:r>
+              <a:rPr lang="de-DE" sz="1200" dirty="0">
+                <a:latin typeface="+mn-lt"/>
+              </a:rPr>
+              <a:t> (</a:t>
+            </a:r>
+            <a:r>
+              <a:rPr lang="de-DE" sz="1200" dirty="0" err="1">
+                <a:latin typeface="+mn-lt"/>
+              </a:rPr>
+              <a:t>if</a:t>
+            </a:r>
+            <a:r>
+              <a:rPr lang="de-DE" sz="1200" dirty="0">
+                <a:latin typeface="+mn-lt"/>
+              </a:rPr>
+              <a:t> </a:t>
+            </a:r>
+            <a:r>
+              <a:rPr lang="de-DE" sz="1200" dirty="0" err="1">
+                <a:latin typeface="+mn-lt"/>
+              </a:rPr>
+              <a:t>required</a:t>
+            </a:r>
+            <a:r>
+              <a:rPr lang="de-DE" sz="1200" dirty="0">
+                <a:latin typeface="+mn-lt"/>
+              </a:rPr>
+              <a:t>)</a:t>
+            </a:r>
+            <a:endParaRPr lang="de-DE" sz="900" dirty="0">
+              <a:latin typeface="+mn-lt"/>
+            </a:endParaRPr>
+          </a:p>
+        </p:txBody>
+      </p:sp>
+      <p:sp>
+        <p:nvSpPr>
+          <p:cNvPr id="36" name="Rechteck 35"/>
+          <p:cNvSpPr/>
+          <p:nvPr/>
+        </p:nvSpPr>
+        <p:spPr bwMode="auto">
+          <a:xfrm>
+            <a:off x="1331640" y="412929"/>
+            <a:ext cx="1360361" cy="312683"/>
+          </a:xfrm>
+          <a:prstGeom prst="rect">
+            <a:avLst/>
+          </a:prstGeom>
+          <a:solidFill>
+            <a:schemeClr val="bg1"/>
+          </a:solidFill>
+          <a:ln w="9525" cap="flat" cmpd="sng" algn="ctr">
+            <a:solidFill>
+              <a:schemeClr val="tx1"/>
+            </a:solidFill>
+            <a:prstDash val="solid"/>
+            <a:round/>
+            <a:headEnd type="none" w="med" len="med"/>
+            <a:tailEnd type="none" w="med" len="med"/>
+          </a:ln>
+          <a:effectLst/>
+        </p:spPr>
+        <p:txBody>
+          <a:bodyPr vert="horz" wrap="square" lIns="72000" tIns="46800" rIns="72000" bIns="46800" numCol="1" rtlCol="0" anchor="ctr" anchorCtr="0" compatLnSpc="1">
+            <a:prstTxWarp prst="textNoShape">
+              <a:avLst/>
+            </a:prstTxWarp>
+          </a:bodyPr>
+          <a:lstStyle/>
+          <a:p>
+            <a:pPr algn="ctr"/>
+            <a:r>
+              <a:rPr lang="de-DE" sz="1200" dirty="0"/>
+              <a:t>Browser</a:t>
+            </a:r>
+            <a:endParaRPr lang="de-DE" sz="900" dirty="0">
+              <a:latin typeface="+mn-lt"/>
+            </a:endParaRPr>
+          </a:p>
+        </p:txBody>
+      </p:sp>
+      <p:cxnSp>
+        <p:nvCxnSpPr>
+          <p:cNvPr id="38" name="Gerade Verbindung mit Pfeil 37"/>
+          <p:cNvCxnSpPr>
+            <a:cxnSpLocks/>
+            <a:stCxn id="36" idx="2"/>
+          </p:cNvCxnSpPr>
+          <p:nvPr/>
+        </p:nvCxnSpPr>
+        <p:spPr>
+          <a:xfrm>
+            <a:off x="2011821" y="725612"/>
+            <a:ext cx="0" cy="286333"/>
+          </a:xfrm>
+          <a:prstGeom prst="straightConnector1">
+            <a:avLst/>
+          </a:prstGeom>
+          <a:ln>
+            <a:solidFill>
+              <a:schemeClr val="tx1"/>
+            </a:solidFill>
+            <a:tailEnd type="triangle"/>
+          </a:ln>
+        </p:spPr>
+        <p:style>
+          <a:lnRef idx="1">
+            <a:schemeClr val="accent1"/>
+          </a:lnRef>
+          <a:fillRef idx="0">
+            <a:schemeClr val="accent1"/>
+          </a:fillRef>
+          <a:effectRef idx="0">
+            <a:schemeClr val="accent1"/>
+          </a:effectRef>
+          <a:fontRef idx="minor">
+            <a:schemeClr val="tx1"/>
+          </a:fontRef>
+        </p:style>
+      </p:cxnSp>
+      <p:cxnSp>
+        <p:nvCxnSpPr>
+          <p:cNvPr id="40" name="Gerade Verbindung mit Pfeil 39"/>
+          <p:cNvCxnSpPr>
+            <a:cxnSpLocks/>
+          </p:cNvCxnSpPr>
+          <p:nvPr/>
+        </p:nvCxnSpPr>
+        <p:spPr>
+          <a:xfrm>
+            <a:off x="3511143" y="1335664"/>
+            <a:ext cx="0" cy="934779"/>
+          </a:xfrm>
+          <a:prstGeom prst="straightConnector1">
+            <a:avLst/>
+          </a:prstGeom>
+          <a:ln>
+            <a:solidFill>
+              <a:schemeClr val="tx1"/>
+            </a:solidFill>
+            <a:tailEnd type="triangle"/>
+          </a:ln>
+        </p:spPr>
+        <p:style>
+          <a:lnRef idx="1">
+            <a:schemeClr val="accent1"/>
+          </a:lnRef>
+          <a:fillRef idx="0">
+            <a:schemeClr val="accent1"/>
+          </a:fillRef>
+          <a:effectRef idx="0">
+            <a:schemeClr val="accent1"/>
+          </a:effectRef>
+          <a:fontRef idx="minor">
+            <a:schemeClr val="tx1"/>
+          </a:fontRef>
+        </p:style>
+      </p:cxnSp>
+      <p:sp>
+        <p:nvSpPr>
+          <p:cNvPr id="69" name="Rechteck 68"/>
+          <p:cNvSpPr/>
+          <p:nvPr/>
+        </p:nvSpPr>
+        <p:spPr bwMode="auto">
+          <a:xfrm>
+            <a:off x="7956376" y="3849676"/>
+            <a:ext cx="1446084" cy="732406"/>
+          </a:xfrm>
+          <a:prstGeom prst="rect">
+            <a:avLst/>
+          </a:prstGeom>
+          <a:solidFill>
+            <a:schemeClr val="bg1"/>
+          </a:solidFill>
+          <a:ln w="9525" cap="flat" cmpd="sng" algn="ctr">
+            <a:solidFill>
+              <a:schemeClr val="tx1"/>
+            </a:solidFill>
+            <a:prstDash val="solid"/>
+            <a:round/>
+            <a:headEnd type="none" w="med" len="med"/>
+            <a:tailEnd type="none" w="med" len="med"/>
+          </a:ln>
+          <a:effectLst/>
+        </p:spPr>
+        <p:txBody>
+          <a:bodyPr vert="horz" wrap="square" lIns="72000" tIns="46800" rIns="72000" bIns="46800" numCol="1" rtlCol="0" anchor="ctr" anchorCtr="0" compatLnSpc="1">
+            <a:prstTxWarp prst="textNoShape">
+              <a:avLst/>
+            </a:prstTxWarp>
+          </a:bodyPr>
+          <a:lstStyle/>
+          <a:p>
+            <a:pPr algn="ctr"/>
+            <a:r>
+              <a:rPr lang="de-DE" sz="1200" dirty="0"/>
+              <a:t>Services and 3rd </a:t>
+            </a:r>
+            <a:r>
+              <a:rPr lang="de-DE" sz="1200" dirty="0" err="1"/>
+              <a:t>party</a:t>
+            </a:r>
+            <a:r>
+              <a:rPr lang="de-DE" sz="1200" dirty="0"/>
+              <a:t> </a:t>
+            </a:r>
+            <a:r>
+              <a:rPr lang="de-DE" sz="1200" dirty="0" err="1"/>
+              <a:t>components</a:t>
+            </a:r>
+            <a:endParaRPr lang="de-DE" sz="900" dirty="0">
+              <a:latin typeface="+mn-lt"/>
+            </a:endParaRPr>
+          </a:p>
+        </p:txBody>
+      </p:sp>
+      <p:sp>
+        <p:nvSpPr>
+          <p:cNvPr id="73" name="Textfeld 72"/>
+          <p:cNvSpPr txBox="1"/>
+          <p:nvPr/>
+        </p:nvSpPr>
+        <p:spPr>
+          <a:xfrm>
+            <a:off x="7614143" y="3212198"/>
+            <a:ext cx="1446083" cy="590931"/>
+          </a:xfrm>
+          <a:prstGeom prst="rect">
+            <a:avLst/>
+          </a:prstGeom>
+          <a:noFill/>
+        </p:spPr>
+        <p:txBody>
+          <a:bodyPr wrap="square" lIns="72000" rIns="72000" rtlCol="0">
+            <a:spAutoFit/>
+          </a:bodyPr>
+          <a:lstStyle/>
+          <a:p>
+            <a:r>
+              <a:rPr lang="de-DE" sz="900" dirty="0">
+                <a:latin typeface="+mn-lt"/>
+              </a:rPr>
+              <a:t>Communication via </a:t>
+            </a:r>
+            <a:r>
+              <a:rPr lang="de-DE" sz="900" dirty="0" err="1">
+                <a:latin typeface="+mn-lt"/>
+              </a:rPr>
+              <a:t>arbritrary</a:t>
+            </a:r>
+            <a:r>
+              <a:rPr lang="de-DE" sz="900" dirty="0">
+                <a:latin typeface="+mn-lt"/>
+              </a:rPr>
+              <a:t> </a:t>
+            </a:r>
+            <a:r>
+              <a:rPr lang="de-DE" sz="900" dirty="0" err="1">
+                <a:latin typeface="+mn-lt"/>
+              </a:rPr>
+              <a:t>protocols</a:t>
+            </a:r>
+            <a:r>
+              <a:rPr lang="de-DE" sz="900" dirty="0">
+                <a:latin typeface="+mn-lt"/>
+              </a:rPr>
+              <a:t>, e.g. SOAP, REST </a:t>
+            </a:r>
+            <a:r>
+              <a:rPr lang="de-DE" sz="900" dirty="0" err="1">
+                <a:latin typeface="+mn-lt"/>
+              </a:rPr>
+              <a:t>or</a:t>
+            </a:r>
+            <a:r>
+              <a:rPr lang="de-DE" sz="900" dirty="0">
+                <a:latin typeface="+mn-lt"/>
+              </a:rPr>
+              <a:t> AMQP</a:t>
+            </a:r>
+          </a:p>
+        </p:txBody>
+      </p:sp>
+      <p:cxnSp>
+        <p:nvCxnSpPr>
+          <p:cNvPr id="51" name="Gerade Verbindung mit Pfeil 50">
+            <a:extLst>
+              <a:ext uri="{FF2B5EF4-FFF2-40B4-BE49-F238E27FC236}">
+                <a16:creationId xmlns:a16="http://schemas.microsoft.com/office/drawing/2014/main" id="{F0F57B4F-FEA6-4543-8418-BFAA5B0640CB}"/>
+              </a:ext>
+            </a:extLst>
+          </p:cNvPr>
+          <p:cNvCxnSpPr>
+            <a:cxnSpLocks/>
+          </p:cNvCxnSpPr>
+          <p:nvPr/>
+        </p:nvCxnSpPr>
+        <p:spPr>
+          <a:xfrm>
+            <a:off x="2044528" y="1335664"/>
+            <a:ext cx="0" cy="941208"/>
+          </a:xfrm>
+          <a:prstGeom prst="straightConnector1">
+            <a:avLst/>
+          </a:prstGeom>
+          <a:ln>
+            <a:solidFill>
+              <a:schemeClr val="tx1"/>
+            </a:solidFill>
+            <a:tailEnd type="triangle"/>
+          </a:ln>
+        </p:spPr>
+        <p:style>
+          <a:lnRef idx="1">
+            <a:schemeClr val="accent1"/>
+          </a:lnRef>
+          <a:fillRef idx="0">
+            <a:schemeClr val="accent1"/>
+          </a:fillRef>
+          <a:effectRef idx="0">
+            <a:schemeClr val="accent1"/>
+          </a:effectRef>
+          <a:fontRef idx="minor">
+            <a:schemeClr val="tx1"/>
+          </a:fontRef>
+        </p:style>
+      </p:cxnSp>
+      <p:cxnSp>
+        <p:nvCxnSpPr>
+          <p:cNvPr id="64" name="Gerade Verbindung mit Pfeil 63">
+            <a:extLst>
+              <a:ext uri="{FF2B5EF4-FFF2-40B4-BE49-F238E27FC236}">
+                <a16:creationId xmlns:a16="http://schemas.microsoft.com/office/drawing/2014/main" id="{75552203-9BC7-4FCC-B605-25F7A5794600}"/>
+              </a:ext>
+            </a:extLst>
+          </p:cNvPr>
+          <p:cNvCxnSpPr>
+            <a:cxnSpLocks/>
+          </p:cNvCxnSpPr>
+          <p:nvPr/>
+        </p:nvCxnSpPr>
+        <p:spPr>
+          <a:xfrm>
+            <a:off x="6660232" y="4215879"/>
+            <a:ext cx="1224136" cy="0"/>
+          </a:xfrm>
+          <a:prstGeom prst="straightConnector1">
+            <a:avLst/>
+          </a:prstGeom>
+          <a:ln>
+            <a:solidFill>
+              <a:schemeClr val="tx1"/>
+            </a:solidFill>
+            <a:tailEnd type="triangle"/>
+          </a:ln>
+        </p:spPr>
+        <p:style>
+          <a:lnRef idx="1">
+            <a:schemeClr val="accent1"/>
+          </a:lnRef>
+          <a:fillRef idx="0">
+            <a:schemeClr val="accent1"/>
+          </a:fillRef>
+          <a:effectRef idx="0">
+            <a:schemeClr val="accent1"/>
+          </a:effectRef>
+          <a:fontRef idx="minor">
+            <a:schemeClr val="tx1"/>
+          </a:fontRef>
+        </p:style>
+      </p:cxnSp>
+      <p:pic>
+        <p:nvPicPr>
+          <p:cNvPr id="2" name="Grafik 1">
+            <a:extLst>
+              <a:ext uri="{FF2B5EF4-FFF2-40B4-BE49-F238E27FC236}">
+                <a16:creationId xmlns:a16="http://schemas.microsoft.com/office/drawing/2014/main" id="{39312B58-A9A5-41CA-92DC-B8DA9DB52054}"/>
+              </a:ext>
+            </a:extLst>
+          </p:cNvPr>
+          <p:cNvPicPr>
+            <a:picLocks noChangeAspect="1"/>
+          </p:cNvPicPr>
+          <p:nvPr/>
+        </p:nvPicPr>
+        <p:blipFill>
+          <a:blip r:embed="rId2"/>
+          <a:stretch>
+            <a:fillRect/>
+          </a:stretch>
+        </p:blipFill>
+        <p:spPr>
+          <a:xfrm>
+            <a:off x="3304362" y="4725522"/>
+            <a:ext cx="597406" cy="597406"/>
+          </a:xfrm>
+          <a:prstGeom prst="rect">
+            <a:avLst/>
+          </a:prstGeom>
+        </p:spPr>
+      </p:pic>
+      <p:sp>
+        <p:nvSpPr>
+          <p:cNvPr id="13" name="Textfeld 12">
+            <a:extLst>
+              <a:ext uri="{FF2B5EF4-FFF2-40B4-BE49-F238E27FC236}">
+                <a16:creationId xmlns:a16="http://schemas.microsoft.com/office/drawing/2014/main" id="{22F5A402-B5DB-4748-963F-43632668450B}"/>
+              </a:ext>
+            </a:extLst>
+          </p:cNvPr>
+          <p:cNvSpPr txBox="1"/>
+          <p:nvPr/>
+        </p:nvSpPr>
+        <p:spPr>
+          <a:xfrm>
+            <a:off x="3322050" y="2348880"/>
+            <a:ext cx="1958403" cy="258532"/>
+          </a:xfrm>
+          <a:prstGeom prst="rect">
+            <a:avLst/>
+          </a:prstGeom>
+          <a:noFill/>
+        </p:spPr>
+        <p:txBody>
+          <a:bodyPr wrap="none" lIns="72000" rIns="72000" rtlCol="0">
+            <a:spAutoFit/>
+          </a:bodyPr>
+          <a:lstStyle/>
+          <a:p>
+            <a:r>
+              <a:rPr lang="de-DE" sz="1200" dirty="0">
+                <a:latin typeface="+mn-lt"/>
+              </a:rPr>
+              <a:t>Spring Boot </a:t>
+            </a:r>
+            <a:r>
+              <a:rPr lang="de-DE" sz="1200" dirty="0" err="1">
+                <a:latin typeface="+mn-lt"/>
+              </a:rPr>
+              <a:t>Application</a:t>
+            </a:r>
+            <a:endParaRPr lang="de-DE" sz="1200" dirty="0">
+              <a:latin typeface="+mn-lt"/>
+            </a:endParaRPr>
+          </a:p>
+        </p:txBody>
+      </p:sp>
+      <p:sp>
+        <p:nvSpPr>
+          <p:cNvPr id="26" name="Rechteck 11">
+            <a:extLst>
+              <a:ext uri="{FF2B5EF4-FFF2-40B4-BE49-F238E27FC236}">
+                <a16:creationId xmlns:a16="http://schemas.microsoft.com/office/drawing/2014/main" id="{1B4CFF05-93B8-44F5-B96A-7CBBAB46C5C9}"/>
+              </a:ext>
+            </a:extLst>
+          </p:cNvPr>
+          <p:cNvSpPr/>
+          <p:nvPr/>
+        </p:nvSpPr>
+        <p:spPr bwMode="auto">
+          <a:xfrm>
+            <a:off x="-1070817" y="2592521"/>
+            <a:ext cx="4098120" cy="3255338"/>
+          </a:xfrm>
+          <a:prstGeom prst="rect">
+            <a:avLst/>
+          </a:prstGeom>
+          <a:solidFill>
+            <a:schemeClr val="accent5">
+              <a:lumMod val="40000"/>
+              <a:lumOff val="60000"/>
+            </a:schemeClr>
+          </a:solidFill>
+          <a:ln w="9525" cap="flat" cmpd="sng" algn="ctr">
+            <a:solidFill>
+              <a:schemeClr val="tx1"/>
+            </a:solidFill>
+            <a:prstDash val="solid"/>
+            <a:round/>
+            <a:headEnd type="none" w="med" len="med"/>
+            <a:tailEnd type="none" w="med" len="med"/>
+          </a:ln>
+          <a:effectLst/>
+        </p:spPr>
+        <p:txBody>
+          <a:bodyPr vert="horz" wrap="square" lIns="72000" tIns="46800" rIns="72000" bIns="46800" numCol="1" rtlCol="0" anchor="b" anchorCtr="0" compatLnSpc="1">
+            <a:prstTxWarp prst="textNoShape">
+              <a:avLst/>
+            </a:prstTxWarp>
+          </a:bodyPr>
+          <a:lstStyle/>
+          <a:p>
+            <a:pPr marL="0" marR="0" indent="0" algn="l" defTabSz="914400" rtl="0" eaLnBrk="1" fontAlgn="base" latinLnBrk="0" hangingPunct="1">
+              <a:lnSpc>
+                <a:spcPct val="90000"/>
+              </a:lnSpc>
+              <a:spcBef>
+                <a:spcPct val="0"/>
+              </a:spcBef>
+              <a:spcAft>
+                <a:spcPct val="0"/>
+              </a:spcAft>
+              <a:buClrTx/>
+              <a:buSzTx/>
+              <a:buFontTx/>
+              <a:buNone/>
+              <a:tabLst/>
+            </a:pPr>
+            <a:endParaRPr lang="de-DE" sz="1200" dirty="0">
+              <a:latin typeface="+mn-lt"/>
+            </a:endParaRPr>
+          </a:p>
+          <a:p>
+            <a:pPr marL="0" marR="0" indent="0" algn="l" defTabSz="914400" rtl="0" eaLnBrk="1" fontAlgn="base" latinLnBrk="0" hangingPunct="1">
+              <a:lnSpc>
+                <a:spcPct val="90000"/>
+              </a:lnSpc>
+              <a:spcBef>
+                <a:spcPct val="0"/>
+              </a:spcBef>
+              <a:spcAft>
+                <a:spcPct val="0"/>
+              </a:spcAft>
+              <a:buClrTx/>
+              <a:buSzTx/>
+              <a:buFontTx/>
+              <a:buNone/>
+              <a:tabLst/>
+            </a:pPr>
+            <a:r>
+              <a:rPr kumimoji="0" lang="de-DE" sz="1200" b="0" i="0" u="none" strike="noStrike" cap="none" normalizeH="0" baseline="0" dirty="0" err="1">
+                <a:ln>
+                  <a:noFill/>
+                </a:ln>
+                <a:solidFill>
+                  <a:schemeClr val="tx1"/>
+                </a:solidFill>
+                <a:effectLst/>
+                <a:latin typeface="+mn-lt"/>
+              </a:rPr>
+              <a:t>Node</a:t>
+            </a:r>
+            <a:r>
+              <a:rPr kumimoji="0" lang="de-DE" sz="1200" b="0" i="0" u="none" strike="noStrike" cap="none" normalizeH="0" baseline="0" dirty="0">
+                <a:ln>
+                  <a:noFill/>
+                </a:ln>
+                <a:solidFill>
+                  <a:schemeClr val="tx1"/>
+                </a:solidFill>
+                <a:effectLst/>
+                <a:latin typeface="+mn-lt"/>
+              </a:rPr>
+              <a:t> 2</a:t>
+            </a:r>
+          </a:p>
+        </p:txBody>
+      </p:sp>
+      <p:sp>
+        <p:nvSpPr>
+          <p:cNvPr id="27" name="Rechteck 3">
+            <a:extLst>
+              <a:ext uri="{FF2B5EF4-FFF2-40B4-BE49-F238E27FC236}">
+                <a16:creationId xmlns:a16="http://schemas.microsoft.com/office/drawing/2014/main" id="{CFE59800-BAC3-437D-8714-347A10BFBF8A}"/>
+              </a:ext>
+            </a:extLst>
+          </p:cNvPr>
+          <p:cNvSpPr/>
+          <p:nvPr/>
+        </p:nvSpPr>
+        <p:spPr bwMode="auto">
+          <a:xfrm>
+            <a:off x="-1286841" y="2305871"/>
+            <a:ext cx="4104454" cy="3253956"/>
+          </a:xfrm>
+          <a:prstGeom prst="rect">
+            <a:avLst/>
+          </a:prstGeom>
+          <a:solidFill>
+            <a:schemeClr val="accent5">
+              <a:lumMod val="40000"/>
+              <a:lumOff val="60000"/>
+            </a:schemeClr>
+          </a:solidFill>
+          <a:ln w="9525" cap="flat" cmpd="sng" algn="ctr">
+            <a:solidFill>
+              <a:schemeClr val="tx1"/>
+            </a:solidFill>
+            <a:prstDash val="solid"/>
+            <a:round/>
+            <a:headEnd type="none" w="med" len="med"/>
+            <a:tailEnd type="none" w="med" len="med"/>
+          </a:ln>
+          <a:effectLst/>
+        </p:spPr>
+        <p:txBody>
+          <a:bodyPr vert="horz" wrap="square" lIns="72000" tIns="46800" rIns="72000" bIns="46800" numCol="1" rtlCol="0" anchor="b" anchorCtr="0" compatLnSpc="1">
+            <a:prstTxWarp prst="textNoShape">
+              <a:avLst/>
+            </a:prstTxWarp>
+          </a:bodyPr>
+          <a:lstStyle/>
+          <a:p>
+            <a:pPr marL="0" marR="0" indent="0" algn="l" defTabSz="914400" rtl="0" eaLnBrk="1" fontAlgn="base" latinLnBrk="0" hangingPunct="1">
+              <a:lnSpc>
+                <a:spcPct val="90000"/>
+              </a:lnSpc>
+              <a:spcBef>
+                <a:spcPct val="0"/>
+              </a:spcBef>
+              <a:spcAft>
+                <a:spcPct val="0"/>
+              </a:spcAft>
+              <a:buClrTx/>
+              <a:buSzTx/>
+              <a:buFontTx/>
+              <a:buNone/>
+              <a:tabLst/>
+            </a:pPr>
+            <a:r>
+              <a:rPr kumimoji="0" lang="de-DE" sz="1200" b="0" i="0" u="none" strike="noStrike" cap="none" normalizeH="0" baseline="0" dirty="0" err="1">
+                <a:ln>
+                  <a:noFill/>
+                </a:ln>
+                <a:solidFill>
+                  <a:schemeClr val="tx1"/>
+                </a:solidFill>
+                <a:effectLst/>
+                <a:latin typeface="+mn-lt"/>
+              </a:rPr>
+              <a:t>Node</a:t>
+            </a:r>
+            <a:r>
+              <a:rPr kumimoji="0" lang="de-DE" sz="1200" b="0" i="0" u="none" strike="noStrike" cap="none" normalizeH="0" baseline="0" dirty="0">
+                <a:ln>
+                  <a:noFill/>
+                </a:ln>
+                <a:solidFill>
+                  <a:schemeClr val="tx1"/>
+                </a:solidFill>
+                <a:effectLst/>
+                <a:latin typeface="+mn-lt"/>
+              </a:rPr>
+              <a:t> 1</a:t>
+            </a:r>
+          </a:p>
+        </p:txBody>
+      </p:sp>
+      <p:sp>
+        <p:nvSpPr>
+          <p:cNvPr id="28" name="Rechteck 5">
+            <a:extLst>
+              <a:ext uri="{FF2B5EF4-FFF2-40B4-BE49-F238E27FC236}">
+                <a16:creationId xmlns:a16="http://schemas.microsoft.com/office/drawing/2014/main" id="{5C95B840-6216-4492-9492-12FBEC230AF8}"/>
+              </a:ext>
+            </a:extLst>
+          </p:cNvPr>
+          <p:cNvSpPr/>
+          <p:nvPr/>
+        </p:nvSpPr>
+        <p:spPr bwMode="auto">
+          <a:xfrm>
+            <a:off x="-422746" y="4689282"/>
+            <a:ext cx="2846838" cy="637957"/>
+          </a:xfrm>
+          <a:prstGeom prst="rect">
+            <a:avLst/>
+          </a:prstGeom>
+          <a:solidFill>
+            <a:schemeClr val="accent6"/>
+          </a:solidFill>
+          <a:ln w="9525" cap="flat" cmpd="sng" algn="ctr">
+            <a:solidFill>
+              <a:schemeClr val="tx1"/>
+            </a:solidFill>
+            <a:prstDash val="solid"/>
+            <a:round/>
+            <a:headEnd type="none" w="med" len="med"/>
+            <a:tailEnd type="none" w="med" len="med"/>
+          </a:ln>
+          <a:effectLst/>
+        </p:spPr>
+        <p:txBody>
+          <a:bodyPr vert="horz" wrap="square" lIns="72000" tIns="46800" rIns="72000" bIns="46800" numCol="1" rtlCol="0" anchor="ctr" anchorCtr="0" compatLnSpc="1">
+            <a:prstTxWarp prst="textNoShape">
+              <a:avLst/>
+            </a:prstTxWarp>
+          </a:bodyPr>
+          <a:lstStyle/>
+          <a:p>
+            <a:pPr marL="0" marR="0" indent="0" algn="ctr" defTabSz="914400" rtl="0" eaLnBrk="1" fontAlgn="base" latinLnBrk="0" hangingPunct="1">
+              <a:lnSpc>
+                <a:spcPct val="90000"/>
+              </a:lnSpc>
+              <a:spcBef>
+                <a:spcPct val="0"/>
+              </a:spcBef>
+              <a:spcAft>
+                <a:spcPct val="0"/>
+              </a:spcAft>
+              <a:buClrTx/>
+              <a:buSzTx/>
+              <a:buFontTx/>
+              <a:buNone/>
+              <a:tabLst/>
+            </a:pPr>
+            <a:r>
+              <a:rPr kumimoji="0" lang="de-DE" sz="1200" b="0" i="0" u="none" strike="noStrike" cap="none" normalizeH="0" baseline="0" dirty="0" err="1">
+                <a:ln>
+                  <a:noFill/>
+                </a:ln>
+                <a:solidFill>
+                  <a:schemeClr val="bg1"/>
+                </a:solidFill>
+                <a:effectLst/>
+                <a:latin typeface="+mn-lt"/>
+              </a:rPr>
+              <a:t>Zeebe</a:t>
+            </a:r>
+            <a:endParaRPr kumimoji="0" lang="de-DE" sz="1200" b="0" i="0" u="none" strike="noStrike" cap="none" normalizeH="0" baseline="0" dirty="0">
+              <a:ln>
+                <a:noFill/>
+              </a:ln>
+              <a:solidFill>
+                <a:schemeClr val="bg1"/>
+              </a:solidFill>
+              <a:effectLst/>
+              <a:latin typeface="+mn-lt"/>
+            </a:endParaRPr>
+          </a:p>
+        </p:txBody>
+      </p:sp>
+      <p:sp>
+        <p:nvSpPr>
+          <p:cNvPr id="37" name="Rechteck 32">
+            <a:extLst>
+              <a:ext uri="{FF2B5EF4-FFF2-40B4-BE49-F238E27FC236}">
+                <a16:creationId xmlns:a16="http://schemas.microsoft.com/office/drawing/2014/main" id="{BE0CEC31-9EB6-439F-9CE6-DC5E93AA65F8}"/>
+              </a:ext>
+            </a:extLst>
+          </p:cNvPr>
+          <p:cNvSpPr/>
+          <p:nvPr/>
+        </p:nvSpPr>
+        <p:spPr bwMode="auto">
+          <a:xfrm>
+            <a:off x="1095958" y="3546926"/>
+            <a:ext cx="1334670" cy="893424"/>
+          </a:xfrm>
+          <a:prstGeom prst="rect">
+            <a:avLst/>
+          </a:prstGeom>
+          <a:solidFill>
+            <a:schemeClr val="accent6"/>
+          </a:solidFill>
+          <a:ln w="9525" cap="flat" cmpd="sng" algn="ctr">
+            <a:solidFill>
+              <a:schemeClr val="tx1"/>
+            </a:solidFill>
+            <a:prstDash val="solid"/>
+            <a:round/>
+            <a:headEnd type="none" w="med" len="med"/>
+            <a:tailEnd type="none" w="med" len="med"/>
+          </a:ln>
+          <a:effectLst/>
+        </p:spPr>
+        <p:txBody>
+          <a:bodyPr vert="horz" wrap="square" lIns="72000" tIns="46800" rIns="72000" bIns="46800" numCol="1" rtlCol="0" anchor="ctr" anchorCtr="0" compatLnSpc="1">
+            <a:prstTxWarp prst="textNoShape">
+              <a:avLst/>
+            </a:prstTxWarp>
+          </a:bodyPr>
+          <a:lstStyle/>
+          <a:p>
+            <a:pPr algn="ctr"/>
+            <a:r>
+              <a:rPr lang="de-DE" sz="1200" dirty="0" err="1">
+                <a:solidFill>
+                  <a:schemeClr val="bg1"/>
+                </a:solidFill>
+                <a:latin typeface="+mn-lt"/>
+              </a:rPr>
+              <a:t>Gatway</a:t>
+            </a:r>
+            <a:endParaRPr lang="de-DE" sz="900" dirty="0">
+              <a:solidFill>
+                <a:schemeClr val="bg1"/>
+              </a:solidFill>
+              <a:latin typeface="+mn-lt"/>
+            </a:endParaRPr>
+          </a:p>
+        </p:txBody>
+      </p:sp>
+      <p:sp>
+        <p:nvSpPr>
+          <p:cNvPr id="41" name="Rechteck 41">
+            <a:extLst>
+              <a:ext uri="{FF2B5EF4-FFF2-40B4-BE49-F238E27FC236}">
+                <a16:creationId xmlns:a16="http://schemas.microsoft.com/office/drawing/2014/main" id="{2B175AED-44E2-4E1B-83B0-BF1969C4D3E3}"/>
+              </a:ext>
+            </a:extLst>
+          </p:cNvPr>
+          <p:cNvSpPr/>
+          <p:nvPr/>
+        </p:nvSpPr>
+        <p:spPr bwMode="auto">
+          <a:xfrm>
+            <a:off x="3456934" y="3546926"/>
+            <a:ext cx="779154" cy="893424"/>
+          </a:xfrm>
+          <a:prstGeom prst="rect">
+            <a:avLst/>
+          </a:prstGeom>
+          <a:solidFill>
+            <a:schemeClr val="accent6"/>
+          </a:solidFill>
+          <a:ln w="9525" cap="flat" cmpd="sng" algn="ctr">
+            <a:solidFill>
+              <a:schemeClr val="tx1"/>
+            </a:solidFill>
+            <a:prstDash val="solid"/>
+            <a:round/>
+            <a:headEnd type="none" w="med" len="med"/>
+            <a:tailEnd type="none" w="med" len="med"/>
+          </a:ln>
+          <a:effectLst/>
+        </p:spPr>
+        <p:txBody>
+          <a:bodyPr vert="horz" wrap="square" lIns="72000" tIns="46800" rIns="72000" bIns="46800" numCol="1" rtlCol="0" anchor="ctr" anchorCtr="0" compatLnSpc="1">
+            <a:prstTxWarp prst="textNoShape">
+              <a:avLst/>
+            </a:prstTxWarp>
+          </a:bodyPr>
+          <a:lstStyle/>
+          <a:p>
+            <a:pPr algn="ctr"/>
+            <a:r>
+              <a:rPr lang="de-DE" sz="1200" dirty="0">
+                <a:solidFill>
+                  <a:schemeClr val="bg1"/>
+                </a:solidFill>
+                <a:latin typeface="+mn-lt"/>
+              </a:rPr>
+              <a:t>Client Library</a:t>
+            </a:r>
+          </a:p>
+        </p:txBody>
+      </p:sp>
+      <p:sp>
+        <p:nvSpPr>
+          <p:cNvPr id="44" name="Textfeld 12">
+            <a:extLst>
+              <a:ext uri="{FF2B5EF4-FFF2-40B4-BE49-F238E27FC236}">
+                <a16:creationId xmlns:a16="http://schemas.microsoft.com/office/drawing/2014/main" id="{88D441D2-29D6-4527-A8EE-A1857136BAC1}"/>
+              </a:ext>
+            </a:extLst>
+          </p:cNvPr>
+          <p:cNvSpPr txBox="1"/>
+          <p:nvPr/>
+        </p:nvSpPr>
+        <p:spPr>
+          <a:xfrm>
+            <a:off x="-1240647" y="2353191"/>
+            <a:ext cx="1750013" cy="369332"/>
+          </a:xfrm>
+          <a:prstGeom prst="rect">
+            <a:avLst/>
+          </a:prstGeom>
+          <a:noFill/>
+        </p:spPr>
+        <p:txBody>
+          <a:bodyPr wrap="none" lIns="72000" rIns="72000" rtlCol="0">
+            <a:spAutoFit/>
+          </a:bodyPr>
+          <a:lstStyle/>
+          <a:p>
+            <a:r>
+              <a:rPr lang="de-DE" sz="1200" dirty="0">
+                <a:latin typeface="+mn-lt"/>
+              </a:rPr>
+              <a:t>Camunda Cloud </a:t>
+            </a:r>
+          </a:p>
+          <a:p>
+            <a:r>
+              <a:rPr lang="de-DE" sz="800" dirty="0">
+                <a:latin typeface="+mn-lt"/>
+              </a:rPr>
+              <a:t>(Workflow </a:t>
+            </a:r>
+            <a:r>
+              <a:rPr lang="de-DE" sz="800" dirty="0" err="1">
+                <a:latin typeface="+mn-lt"/>
+              </a:rPr>
+              <a:t>engine</a:t>
+            </a:r>
+            <a:r>
+              <a:rPr lang="de-DE" sz="800" dirty="0">
+                <a:latin typeface="+mn-lt"/>
+              </a:rPr>
+              <a:t> </a:t>
+            </a:r>
+            <a:r>
+              <a:rPr lang="de-DE" sz="800" dirty="0" err="1">
+                <a:latin typeface="+mn-lt"/>
+              </a:rPr>
+              <a:t>as</a:t>
+            </a:r>
+            <a:r>
+              <a:rPr lang="de-DE" sz="800" dirty="0">
+                <a:latin typeface="+mn-lt"/>
+              </a:rPr>
+              <a:t> a </a:t>
+            </a:r>
+            <a:r>
+              <a:rPr lang="de-DE" sz="800" dirty="0" err="1">
+                <a:latin typeface="+mn-lt"/>
+              </a:rPr>
+              <a:t>service</a:t>
+            </a:r>
+            <a:r>
+              <a:rPr lang="de-DE" sz="800" dirty="0">
+                <a:latin typeface="+mn-lt"/>
+              </a:rPr>
+              <a:t>)</a:t>
+            </a:r>
+          </a:p>
+        </p:txBody>
+      </p:sp>
+      <p:sp>
+        <p:nvSpPr>
+          <p:cNvPr id="45" name="Rechteck 8">
+            <a:extLst>
+              <a:ext uri="{FF2B5EF4-FFF2-40B4-BE49-F238E27FC236}">
+                <a16:creationId xmlns:a16="http://schemas.microsoft.com/office/drawing/2014/main" id="{93F83184-2A0E-498C-A112-D448643FB976}"/>
+              </a:ext>
+            </a:extLst>
+          </p:cNvPr>
+          <p:cNvSpPr/>
+          <p:nvPr/>
+        </p:nvSpPr>
+        <p:spPr bwMode="auto">
+          <a:xfrm>
+            <a:off x="4530456" y="2722931"/>
+            <a:ext cx="2049912" cy="455643"/>
+          </a:xfrm>
+          <a:prstGeom prst="rect">
+            <a:avLst/>
+          </a:prstGeom>
+          <a:solidFill>
+            <a:schemeClr val="bg1"/>
+          </a:solidFill>
+          <a:ln w="9525" cap="flat" cmpd="sng" algn="ctr">
+            <a:solidFill>
+              <a:schemeClr val="tx1"/>
+            </a:solidFill>
+            <a:prstDash val="solid"/>
+            <a:round/>
+            <a:headEnd type="none" w="med" len="med"/>
+            <a:tailEnd type="none" w="med" len="med"/>
+          </a:ln>
+          <a:effectLst/>
+        </p:spPr>
+        <p:txBody>
+          <a:bodyPr vert="horz" wrap="square" lIns="36000" tIns="46800" rIns="36000" bIns="46800" numCol="1" rtlCol="0" anchor="ctr" anchorCtr="0" compatLnSpc="1">
+            <a:prstTxWarp prst="textNoShape">
+              <a:avLst/>
+            </a:prstTxWarp>
+          </a:bodyPr>
+          <a:lstStyle/>
+          <a:p>
+            <a:pPr marL="0" marR="0" indent="0" algn="ctr" defTabSz="914400" rtl="0" eaLnBrk="1" fontAlgn="base" latinLnBrk="0" hangingPunct="1">
+              <a:lnSpc>
+                <a:spcPct val="90000"/>
+              </a:lnSpc>
+              <a:spcBef>
+                <a:spcPct val="0"/>
+              </a:spcBef>
+              <a:spcAft>
+                <a:spcPct val="0"/>
+              </a:spcAft>
+              <a:buClrTx/>
+              <a:buSzTx/>
+              <a:buFontTx/>
+              <a:buNone/>
+              <a:tabLst/>
+            </a:pPr>
+            <a:r>
+              <a:rPr kumimoji="0" lang="de-DE" sz="1200" b="0" i="0" u="none" strike="noStrike" cap="none" normalizeH="0" baseline="0" dirty="0">
+                <a:ln>
+                  <a:noFill/>
+                </a:ln>
+                <a:solidFill>
+                  <a:schemeClr val="tx1"/>
+                </a:solidFill>
+                <a:effectLst/>
+                <a:latin typeface="+mn-lt"/>
+              </a:rPr>
+              <a:t>Custom REST </a:t>
+            </a:r>
+            <a:r>
+              <a:rPr kumimoji="0" lang="de-DE" sz="1200" b="0" i="0" u="none" strike="noStrike" cap="none" normalizeH="0" baseline="0" dirty="0" err="1">
+                <a:ln>
+                  <a:noFill/>
+                </a:ln>
+                <a:solidFill>
+                  <a:schemeClr val="tx1"/>
+                </a:solidFill>
+                <a:effectLst/>
+                <a:latin typeface="+mn-lt"/>
+              </a:rPr>
+              <a:t>endpoints</a:t>
+            </a:r>
+            <a:endParaRPr kumimoji="0" lang="de-DE" sz="1200" b="0" i="0" u="none" strike="noStrike" cap="none" normalizeH="0" baseline="0" dirty="0">
+              <a:ln>
+                <a:noFill/>
+              </a:ln>
+              <a:solidFill>
+                <a:schemeClr val="tx1"/>
+              </a:solidFill>
+              <a:effectLst/>
+              <a:latin typeface="+mn-lt"/>
+            </a:endParaRPr>
+          </a:p>
+        </p:txBody>
+      </p:sp>
+      <p:cxnSp>
+        <p:nvCxnSpPr>
+          <p:cNvPr id="49" name="Gerade Verbindung mit Pfeil 48"/>
+          <p:cNvCxnSpPr>
+            <a:cxnSpLocks/>
+          </p:cNvCxnSpPr>
+          <p:nvPr/>
+        </p:nvCxnSpPr>
+        <p:spPr>
+          <a:xfrm>
+            <a:off x="5652119" y="5013176"/>
+            <a:ext cx="0" cy="1046396"/>
+          </a:xfrm>
+          <a:prstGeom prst="straightConnector1">
+            <a:avLst/>
+          </a:prstGeom>
+          <a:ln>
+            <a:solidFill>
+              <a:schemeClr val="tx1"/>
+            </a:solidFill>
+            <a:tailEnd type="triangle"/>
+          </a:ln>
+        </p:spPr>
+        <p:style>
+          <a:lnRef idx="1">
+            <a:schemeClr val="accent1"/>
+          </a:lnRef>
+          <a:fillRef idx="0">
+            <a:schemeClr val="accent1"/>
+          </a:fillRef>
+          <a:effectRef idx="0">
+            <a:schemeClr val="accent1"/>
+          </a:effectRef>
+          <a:fontRef idx="minor">
+            <a:schemeClr val="tx1"/>
+          </a:fontRef>
+        </p:style>
+      </p:cxnSp>
+      <p:cxnSp>
+        <p:nvCxnSpPr>
+          <p:cNvPr id="30" name="Gerade Verbindung mit Pfeil 39">
+            <a:extLst>
+              <a:ext uri="{FF2B5EF4-FFF2-40B4-BE49-F238E27FC236}">
+                <a16:creationId xmlns:a16="http://schemas.microsoft.com/office/drawing/2014/main" id="{B856BF10-3D8E-4CF3-AA83-086545B4F1E9}"/>
+              </a:ext>
+            </a:extLst>
+          </p:cNvPr>
+          <p:cNvCxnSpPr>
+            <a:cxnSpLocks/>
+            <a:stCxn id="41" idx="1"/>
+            <a:endCxn id="37" idx="3"/>
+          </p:cNvCxnSpPr>
+          <p:nvPr/>
+        </p:nvCxnSpPr>
+        <p:spPr>
+          <a:xfrm flipH="1">
+            <a:off x="2430628" y="3993638"/>
+            <a:ext cx="1026306" cy="0"/>
+          </a:xfrm>
+          <a:prstGeom prst="straightConnector1">
+            <a:avLst/>
+          </a:prstGeom>
+          <a:ln>
+            <a:solidFill>
+              <a:schemeClr val="tx1"/>
+            </a:solidFill>
+            <a:tailEnd type="triangle"/>
+          </a:ln>
+        </p:spPr>
+        <p:style>
+          <a:lnRef idx="1">
+            <a:schemeClr val="accent1"/>
+          </a:lnRef>
+          <a:fillRef idx="0">
+            <a:schemeClr val="accent1"/>
+          </a:fillRef>
+          <a:effectRef idx="0">
+            <a:schemeClr val="accent1"/>
+          </a:effectRef>
+          <a:fontRef idx="minor">
+            <a:schemeClr val="tx1"/>
+          </a:fontRef>
+        </p:style>
+      </p:cxnSp>
+    </p:spTree>
+    <p:extLst>
+      <p:ext uri="{BB962C8B-B14F-4D97-AF65-F5344CB8AC3E}">
+        <p14:creationId xmlns:p14="http://schemas.microsoft.com/office/powerpoint/2010/main" val="553239350"/>
       </p:ext>
     </p:extLst>
   </p:cSld>
